--- a/Spring/image/SpringImagePPT.pptx
+++ b/Spring/image/SpringImagePPT.pptx
@@ -6,6 +6,7 @@
   </p:sldMasterIdLst>
   <p:sldIdLst>
     <p:sldId id="256" r:id="rId2"/>
+    <p:sldId id="257" r:id="rId3"/>
   </p:sldIdLst>
   <p:sldSz cx="12192000" cy="6858000"/>
   <p:notesSz cx="6858000" cy="9144000"/>
@@ -104,6 +105,11 @@
       </a:defRPr>
     </a:lvl9pPr>
   </p:defaultTextStyle>
+  <p:extLst>
+    <p:ext uri="{EFAFB233-063F-42B5-8137-9DF3F51BA10A}">
+      <p15:sldGuideLst xmlns:p15="http://schemas.microsoft.com/office/powerpoint/2012/main"/>
+    </p:ext>
+  </p:extLst>
 </p:presentation>
 </file>
 
@@ -254,7 +260,7 @@
           <a:p>
             <a:fld id="{E8EFD38D-9018-4349-B706-E766C5D1BEF5}" type="datetimeFigureOut">
               <a:rPr lang="ko-KR" altLang="en-US" smtClean="0"/>
-              <a:t>2022-04-15</a:t>
+              <a:t>2022-04-18</a:t>
             </a:fld>
             <a:endParaRPr lang="ko-KR" altLang="en-US"/>
           </a:p>
@@ -452,7 +458,7 @@
           <a:p>
             <a:fld id="{E8EFD38D-9018-4349-B706-E766C5D1BEF5}" type="datetimeFigureOut">
               <a:rPr lang="ko-KR" altLang="en-US" smtClean="0"/>
-              <a:t>2022-04-15</a:t>
+              <a:t>2022-04-18</a:t>
             </a:fld>
             <a:endParaRPr lang="ko-KR" altLang="en-US"/>
           </a:p>
@@ -660,7 +666,7 @@
           <a:p>
             <a:fld id="{E8EFD38D-9018-4349-B706-E766C5D1BEF5}" type="datetimeFigureOut">
               <a:rPr lang="ko-KR" altLang="en-US" smtClean="0"/>
-              <a:t>2022-04-15</a:t>
+              <a:t>2022-04-18</a:t>
             </a:fld>
             <a:endParaRPr lang="ko-KR" altLang="en-US"/>
           </a:p>
@@ -858,7 +864,7 @@
           <a:p>
             <a:fld id="{E8EFD38D-9018-4349-B706-E766C5D1BEF5}" type="datetimeFigureOut">
               <a:rPr lang="ko-KR" altLang="en-US" smtClean="0"/>
-              <a:t>2022-04-15</a:t>
+              <a:t>2022-04-18</a:t>
             </a:fld>
             <a:endParaRPr lang="ko-KR" altLang="en-US"/>
           </a:p>
@@ -1133,7 +1139,7 @@
           <a:p>
             <a:fld id="{E8EFD38D-9018-4349-B706-E766C5D1BEF5}" type="datetimeFigureOut">
               <a:rPr lang="ko-KR" altLang="en-US" smtClean="0"/>
-              <a:t>2022-04-15</a:t>
+              <a:t>2022-04-18</a:t>
             </a:fld>
             <a:endParaRPr lang="ko-KR" altLang="en-US"/>
           </a:p>
@@ -1398,7 +1404,7 @@
           <a:p>
             <a:fld id="{E8EFD38D-9018-4349-B706-E766C5D1BEF5}" type="datetimeFigureOut">
               <a:rPr lang="ko-KR" altLang="en-US" smtClean="0"/>
-              <a:t>2022-04-15</a:t>
+              <a:t>2022-04-18</a:t>
             </a:fld>
             <a:endParaRPr lang="ko-KR" altLang="en-US"/>
           </a:p>
@@ -1810,7 +1816,7 @@
           <a:p>
             <a:fld id="{E8EFD38D-9018-4349-B706-E766C5D1BEF5}" type="datetimeFigureOut">
               <a:rPr lang="ko-KR" altLang="en-US" smtClean="0"/>
-              <a:t>2022-04-15</a:t>
+              <a:t>2022-04-18</a:t>
             </a:fld>
             <a:endParaRPr lang="ko-KR" altLang="en-US"/>
           </a:p>
@@ -1951,7 +1957,7 @@
           <a:p>
             <a:fld id="{E8EFD38D-9018-4349-B706-E766C5D1BEF5}" type="datetimeFigureOut">
               <a:rPr lang="ko-KR" altLang="en-US" smtClean="0"/>
-              <a:t>2022-04-15</a:t>
+              <a:t>2022-04-18</a:t>
             </a:fld>
             <a:endParaRPr lang="ko-KR" altLang="en-US"/>
           </a:p>
@@ -2064,7 +2070,7 @@
           <a:p>
             <a:fld id="{E8EFD38D-9018-4349-B706-E766C5D1BEF5}" type="datetimeFigureOut">
               <a:rPr lang="ko-KR" altLang="en-US" smtClean="0"/>
-              <a:t>2022-04-15</a:t>
+              <a:t>2022-04-18</a:t>
             </a:fld>
             <a:endParaRPr lang="ko-KR" altLang="en-US"/>
           </a:p>
@@ -2375,7 +2381,7 @@
           <a:p>
             <a:fld id="{E8EFD38D-9018-4349-B706-E766C5D1BEF5}" type="datetimeFigureOut">
               <a:rPr lang="ko-KR" altLang="en-US" smtClean="0"/>
-              <a:t>2022-04-15</a:t>
+              <a:t>2022-04-18</a:t>
             </a:fld>
             <a:endParaRPr lang="ko-KR" altLang="en-US"/>
           </a:p>
@@ -2663,7 +2669,7 @@
           <a:p>
             <a:fld id="{E8EFD38D-9018-4349-B706-E766C5D1BEF5}" type="datetimeFigureOut">
               <a:rPr lang="ko-KR" altLang="en-US" smtClean="0"/>
-              <a:t>2022-04-15</a:t>
+              <a:t>2022-04-18</a:t>
             </a:fld>
             <a:endParaRPr lang="ko-KR" altLang="en-US"/>
           </a:p>
@@ -2904,7 +2910,7 @@
           <a:p>
             <a:fld id="{E8EFD38D-9018-4349-B706-E766C5D1BEF5}" type="datetimeFigureOut">
               <a:rPr lang="ko-KR" altLang="en-US" smtClean="0"/>
-              <a:t>2022-04-15</a:t>
+              <a:t>2022-04-18</a:t>
             </a:fld>
             <a:endParaRPr lang="ko-KR" altLang="en-US"/>
           </a:p>
@@ -3323,51 +3329,777 @@
       </p:grpSpPr>
       <p:sp>
         <p:nvSpPr>
-          <p:cNvPr id="2" name="제목 1">
-            <a:extLst>
-              <a:ext uri="{FF2B5EF4-FFF2-40B4-BE49-F238E27FC236}">
-                <a16:creationId xmlns:a16="http://schemas.microsoft.com/office/drawing/2014/main" id="{CB8A479C-A479-4DC6-85A9-4A511964DF22}"/>
-              </a:ext>
-            </a:extLst>
-          </p:cNvPr>
-          <p:cNvSpPr>
-            <a:spLocks noGrp="1"/>
-          </p:cNvSpPr>
-          <p:nvPr>
-            <p:ph type="ctrTitle"/>
-          </p:nvPr>
-        </p:nvSpPr>
-        <p:spPr/>
-        <p:txBody>
-          <a:bodyPr/>
-          <a:lstStyle/>
-          <a:p>
+          <p:cNvPr id="12" name="사각형: 둥근 모서리 11">
+            <a:extLst>
+              <a:ext uri="{FF2B5EF4-FFF2-40B4-BE49-F238E27FC236}">
+                <a16:creationId xmlns:a16="http://schemas.microsoft.com/office/drawing/2014/main" id="{07863256-396B-43ED-907B-54208CEC2853}"/>
+              </a:ext>
+            </a:extLst>
+          </p:cNvPr>
+          <p:cNvSpPr/>
+          <p:nvPr/>
+        </p:nvSpPr>
+        <p:spPr>
+          <a:xfrm>
+            <a:off x="3158836" y="1708726"/>
+            <a:ext cx="4622801" cy="3269673"/>
+          </a:xfrm>
+          <a:prstGeom prst="roundRect">
+            <a:avLst/>
+          </a:prstGeom>
+          <a:solidFill>
+            <a:schemeClr val="tx2">
+              <a:lumMod val="20000"/>
+              <a:lumOff val="80000"/>
+            </a:schemeClr>
+          </a:solidFill>
+        </p:spPr>
+        <p:style>
+          <a:lnRef idx="2">
+            <a:schemeClr val="accent1">
+              <a:shade val="50000"/>
+            </a:schemeClr>
+          </a:lnRef>
+          <a:fillRef idx="1">
+            <a:schemeClr val="accent1"/>
+          </a:fillRef>
+          <a:effectRef idx="0">
+            <a:schemeClr val="accent1"/>
+          </a:effectRef>
+          <a:fontRef idx="minor">
+            <a:schemeClr val="lt1"/>
+          </a:fontRef>
+        </p:style>
+        <p:txBody>
+          <a:bodyPr rtlCol="0" anchor="ctr"/>
+          <a:lstStyle/>
+          <a:p>
+            <a:pPr algn="ctr"/>
             <a:endParaRPr lang="ko-KR" altLang="en-US"/>
           </a:p>
         </p:txBody>
       </p:sp>
-      <p:sp>
-        <p:nvSpPr>
-          <p:cNvPr id="3" name="부제목 2">
-            <a:extLst>
-              <a:ext uri="{FF2B5EF4-FFF2-40B4-BE49-F238E27FC236}">
-                <a16:creationId xmlns:a16="http://schemas.microsoft.com/office/drawing/2014/main" id="{AEF7D015-2F2C-4FC7-9AC0-E3A3D83777EB}"/>
-              </a:ext>
-            </a:extLst>
-          </p:cNvPr>
-          <p:cNvSpPr>
-            <a:spLocks noGrp="1"/>
-          </p:cNvSpPr>
-          <p:nvPr>
-            <p:ph type="subTitle" idx="1"/>
-          </p:nvPr>
-        </p:nvSpPr>
-        <p:spPr/>
-        <p:txBody>
-          <a:bodyPr/>
-          <a:lstStyle/>
-          <a:p>
+      <p:graphicFrame>
+        <p:nvGraphicFramePr>
+          <p:cNvPr id="4" name="표 4">
+            <a:extLst>
+              <a:ext uri="{FF2B5EF4-FFF2-40B4-BE49-F238E27FC236}">
+                <a16:creationId xmlns:a16="http://schemas.microsoft.com/office/drawing/2014/main" id="{8B847BC7-7B6A-4804-836C-408D2A52CD8D}"/>
+              </a:ext>
+            </a:extLst>
+          </p:cNvPr>
+          <p:cNvGraphicFramePr>
+            <a:graphicFrameLocks noGrp="1"/>
+          </p:cNvGraphicFramePr>
+          <p:nvPr>
+            <p:extLst>
+              <p:ext uri="{D42A27DB-BD31-4B8C-83A1-F6EECF244321}">
+                <p14:modId xmlns:p14="http://schemas.microsoft.com/office/powerpoint/2010/main" val="886752036"/>
+              </p:ext>
+            </p:extLst>
+          </p:nvPr>
+        </p:nvGraphicFramePr>
+        <p:xfrm>
+          <a:off x="8303491" y="1875890"/>
+          <a:ext cx="3556002" cy="2595880"/>
+        </p:xfrm>
+        <a:graphic>
+          <a:graphicData uri="http://schemas.openxmlformats.org/drawingml/2006/table">
+            <a:tbl>
+              <a:tblPr firstRow="1" bandRow="1">
+                <a:tableStyleId>{5C22544A-7EE6-4342-B048-85BDC9FD1C3A}</a:tableStyleId>
+              </a:tblPr>
+              <a:tblGrid>
+                <a:gridCol w="1778001">
+                  <a:extLst>
+                    <a:ext uri="{9D8B030D-6E8A-4147-A177-3AD203B41FA5}">
+                      <a16:colId xmlns:a16="http://schemas.microsoft.com/office/drawing/2014/main" val="436977245"/>
+                    </a:ext>
+                  </a:extLst>
+                </a:gridCol>
+                <a:gridCol w="1778001">
+                  <a:extLst>
+                    <a:ext uri="{9D8B030D-6E8A-4147-A177-3AD203B41FA5}">
+                      <a16:colId xmlns:a16="http://schemas.microsoft.com/office/drawing/2014/main" val="135116663"/>
+                    </a:ext>
+                  </a:extLst>
+                </a:gridCol>
+              </a:tblGrid>
+              <a:tr h="370840">
+                <a:tc>
+                  <a:txBody>
+                    <a:bodyPr/>
+                    <a:lstStyle/>
+                    <a:p>
+                      <a:pPr latinLnBrk="1"/>
+                      <a:r>
+                        <a:rPr lang="en-US" altLang="ko-KR"/>
+                        <a:t>Term</a:t>
+                      </a:r>
+                      <a:endParaRPr lang="ko-KR" altLang="en-US"/>
+                    </a:p>
+                  </a:txBody>
+                  <a:tcPr/>
+                </a:tc>
+                <a:tc>
+                  <a:txBody>
+                    <a:bodyPr/>
+                    <a:lstStyle/>
+                    <a:p>
+                      <a:pPr latinLnBrk="1"/>
+                      <a:r>
+                        <a:rPr lang="en-US" altLang="ko-KR"/>
+                        <a:t>Document_ids</a:t>
+                      </a:r>
+                      <a:endParaRPr lang="ko-KR" altLang="en-US"/>
+                    </a:p>
+                  </a:txBody>
+                  <a:tcPr/>
+                </a:tc>
+                <a:extLst>
+                  <a:ext uri="{0D108BD9-81ED-4DB2-BD59-A6C34878D82A}">
+                    <a16:rowId xmlns:a16="http://schemas.microsoft.com/office/drawing/2014/main" val="1886436013"/>
+                  </a:ext>
+                </a:extLst>
+              </a:tr>
+              <a:tr h="370840">
+                <a:tc>
+                  <a:txBody>
+                    <a:bodyPr/>
+                    <a:lstStyle/>
+                    <a:p>
+                      <a:pPr latinLnBrk="1"/>
+                      <a:r>
+                        <a:rPr lang="en-US" altLang="ko-KR"/>
+                        <a:t> I</a:t>
+                      </a:r>
+                      <a:endParaRPr lang="ko-KR" altLang="en-US"/>
+                    </a:p>
+                  </a:txBody>
+                  <a:tcPr/>
+                </a:tc>
+                <a:tc>
+                  <a:txBody>
+                    <a:bodyPr/>
+                    <a:lstStyle/>
+                    <a:p>
+                      <a:pPr latinLnBrk="1"/>
+                      <a:r>
+                        <a:rPr lang="en-US" altLang="ko-KR"/>
+                        <a:t>1, 2</a:t>
+                      </a:r>
+                      <a:endParaRPr lang="ko-KR" altLang="en-US"/>
+                    </a:p>
+                  </a:txBody>
+                  <a:tcPr/>
+                </a:tc>
+                <a:extLst>
+                  <a:ext uri="{0D108BD9-81ED-4DB2-BD59-A6C34878D82A}">
+                    <a16:rowId xmlns:a16="http://schemas.microsoft.com/office/drawing/2014/main" val="2663867082"/>
+                  </a:ext>
+                </a:extLst>
+              </a:tr>
+              <a:tr h="370840">
+                <a:tc>
+                  <a:txBody>
+                    <a:bodyPr/>
+                    <a:lstStyle/>
+                    <a:p>
+                      <a:pPr latinLnBrk="1"/>
+                      <a:r>
+                        <a:rPr lang="en-US" altLang="ko-KR"/>
+                        <a:t> love</a:t>
+                      </a:r>
+                      <a:endParaRPr lang="ko-KR" altLang="en-US"/>
+                    </a:p>
+                  </a:txBody>
+                  <a:tcPr/>
+                </a:tc>
+                <a:tc>
+                  <a:txBody>
+                    <a:bodyPr/>
+                    <a:lstStyle/>
+                    <a:p>
+                      <a:pPr latinLnBrk="1"/>
+                      <a:r>
+                        <a:rPr lang="en-US" altLang="ko-KR"/>
+                        <a:t>1, 2</a:t>
+                      </a:r>
+                      <a:endParaRPr lang="ko-KR" altLang="en-US"/>
+                    </a:p>
+                  </a:txBody>
+                  <a:tcPr/>
+                </a:tc>
+                <a:extLst>
+                  <a:ext uri="{0D108BD9-81ED-4DB2-BD59-A6C34878D82A}">
+                    <a16:rowId xmlns:a16="http://schemas.microsoft.com/office/drawing/2014/main" val="1561322414"/>
+                  </a:ext>
+                </a:extLst>
+              </a:tr>
+              <a:tr h="370840">
+                <a:tc>
+                  <a:txBody>
+                    <a:bodyPr/>
+                    <a:lstStyle/>
+                    <a:p>
+                      <a:pPr latinLnBrk="1"/>
+                      <a:r>
+                        <a:rPr lang="en-US" altLang="ko-KR"/>
+                        <a:t> dog</a:t>
+                      </a:r>
+                      <a:endParaRPr lang="ko-KR" altLang="en-US"/>
+                    </a:p>
+                  </a:txBody>
+                  <a:tcPr/>
+                </a:tc>
+                <a:tc>
+                  <a:txBody>
+                    <a:bodyPr/>
+                    <a:lstStyle/>
+                    <a:p>
+                      <a:pPr latinLnBrk="1"/>
+                      <a:r>
+                        <a:rPr lang="en-US" altLang="ko-KR"/>
+                        <a:t>1</a:t>
+                      </a:r>
+                      <a:endParaRPr lang="ko-KR" altLang="en-US"/>
+                    </a:p>
+                  </a:txBody>
+                  <a:tcPr/>
+                </a:tc>
+                <a:extLst>
+                  <a:ext uri="{0D108BD9-81ED-4DB2-BD59-A6C34878D82A}">
+                    <a16:rowId xmlns:a16="http://schemas.microsoft.com/office/drawing/2014/main" val="250683218"/>
+                  </a:ext>
+                </a:extLst>
+              </a:tr>
+              <a:tr h="370840">
+                <a:tc>
+                  <a:txBody>
+                    <a:bodyPr/>
+                    <a:lstStyle/>
+                    <a:p>
+                      <a:pPr latinLnBrk="1"/>
+                      <a:r>
+                        <a:rPr lang="en-US" altLang="ko-KR"/>
+                        <a:t> cat</a:t>
+                      </a:r>
+                      <a:endParaRPr lang="ko-KR" altLang="en-US"/>
+                    </a:p>
+                  </a:txBody>
+                  <a:tcPr/>
+                </a:tc>
+                <a:tc>
+                  <a:txBody>
+                    <a:bodyPr/>
+                    <a:lstStyle/>
+                    <a:p>
+                      <a:pPr latinLnBrk="1"/>
+                      <a:r>
+                        <a:rPr lang="en-US" altLang="ko-KR"/>
+                        <a:t>2</a:t>
+                      </a:r>
+                      <a:endParaRPr lang="ko-KR" altLang="en-US"/>
+                    </a:p>
+                  </a:txBody>
+                  <a:tcPr/>
+                </a:tc>
+                <a:extLst>
+                  <a:ext uri="{0D108BD9-81ED-4DB2-BD59-A6C34878D82A}">
+                    <a16:rowId xmlns:a16="http://schemas.microsoft.com/office/drawing/2014/main" val="4106987061"/>
+                  </a:ext>
+                </a:extLst>
+              </a:tr>
+              <a:tr h="370840">
+                <a:tc>
+                  <a:txBody>
+                    <a:bodyPr/>
+                    <a:lstStyle/>
+                    <a:p>
+                      <a:pPr latinLnBrk="1"/>
+                      <a:endParaRPr lang="ko-KR" altLang="en-US"/>
+                    </a:p>
+                  </a:txBody>
+                  <a:tcPr/>
+                </a:tc>
+                <a:tc>
+                  <a:txBody>
+                    <a:bodyPr/>
+                    <a:lstStyle/>
+                    <a:p>
+                      <a:pPr latinLnBrk="1"/>
+                      <a:endParaRPr lang="ko-KR" altLang="en-US"/>
+                    </a:p>
+                  </a:txBody>
+                  <a:tcPr/>
+                </a:tc>
+                <a:extLst>
+                  <a:ext uri="{0D108BD9-81ED-4DB2-BD59-A6C34878D82A}">
+                    <a16:rowId xmlns:a16="http://schemas.microsoft.com/office/drawing/2014/main" val="2433639650"/>
+                  </a:ext>
+                </a:extLst>
+              </a:tr>
+              <a:tr h="370840">
+                <a:tc>
+                  <a:txBody>
+                    <a:bodyPr/>
+                    <a:lstStyle/>
+                    <a:p>
+                      <a:pPr latinLnBrk="1"/>
+                      <a:r>
+                        <a:rPr lang="en-US" altLang="ko-KR"/>
+                        <a:t> </a:t>
+                      </a:r>
+                      <a:endParaRPr lang="ko-KR" altLang="en-US"/>
+                    </a:p>
+                  </a:txBody>
+                  <a:tcPr/>
+                </a:tc>
+                <a:tc>
+                  <a:txBody>
+                    <a:bodyPr/>
+                    <a:lstStyle/>
+                    <a:p>
+                      <a:pPr latinLnBrk="1"/>
+                      <a:endParaRPr lang="ko-KR" altLang="en-US"/>
+                    </a:p>
+                  </a:txBody>
+                  <a:tcPr/>
+                </a:tc>
+                <a:extLst>
+                  <a:ext uri="{0D108BD9-81ED-4DB2-BD59-A6C34878D82A}">
+                    <a16:rowId xmlns:a16="http://schemas.microsoft.com/office/drawing/2014/main" val="952408216"/>
+                  </a:ext>
+                </a:extLst>
+              </a:tr>
+            </a:tbl>
+          </a:graphicData>
+        </a:graphic>
+      </p:graphicFrame>
+      <p:sp>
+        <p:nvSpPr>
+          <p:cNvPr id="5" name="TextBox 4">
+            <a:extLst>
+              <a:ext uri="{FF2B5EF4-FFF2-40B4-BE49-F238E27FC236}">
+                <a16:creationId xmlns:a16="http://schemas.microsoft.com/office/drawing/2014/main" id="{9F4C4774-7119-47CA-A4AB-F88BB4F32F8B}"/>
+              </a:ext>
+            </a:extLst>
+          </p:cNvPr>
+          <p:cNvSpPr txBox="1"/>
+          <p:nvPr/>
+        </p:nvSpPr>
+        <p:spPr>
+          <a:xfrm>
+            <a:off x="471054" y="1619071"/>
+            <a:ext cx="2687782" cy="1200329"/>
+          </a:xfrm>
+          <a:prstGeom prst="rect">
+            <a:avLst/>
+          </a:prstGeom>
+          <a:noFill/>
+        </p:spPr>
+        <p:txBody>
+          <a:bodyPr wrap="square" rtlCol="0">
+            <a:spAutoFit/>
+          </a:bodyPr>
+          <a:lstStyle/>
+          <a:p>
+            <a:r>
+              <a:rPr lang="en-US" altLang="ko-KR"/>
+              <a:t>document_1</a:t>
+            </a:r>
+          </a:p>
+          <a:p>
+            <a:r>
+              <a:rPr lang="en-US" altLang="ko-KR"/>
+              <a:t>{</a:t>
+            </a:r>
+          </a:p>
+          <a:p>
+            <a:r>
+              <a:rPr lang="en-US" altLang="ko-KR"/>
+              <a:t>  “content”: “I</a:t>
+            </a:r>
+            <a:r>
+              <a:rPr lang="ko-KR" altLang="en-US"/>
+              <a:t> </a:t>
+            </a:r>
+            <a:r>
+              <a:rPr lang="en-US" altLang="ko-KR"/>
+              <a:t>love</a:t>
+            </a:r>
+            <a:r>
+              <a:rPr lang="ko-KR" altLang="en-US"/>
+              <a:t> </a:t>
+            </a:r>
+            <a:r>
+              <a:rPr lang="en-US" altLang="ko-KR"/>
+              <a:t>dog”</a:t>
+            </a:r>
+          </a:p>
+          <a:p>
+            <a:r>
+              <a:rPr lang="en-US" altLang="ko-KR"/>
+              <a:t>}</a:t>
+            </a:r>
             <a:endParaRPr lang="ko-KR" altLang="en-US"/>
+          </a:p>
+        </p:txBody>
+      </p:sp>
+      <p:sp>
+        <p:nvSpPr>
+          <p:cNvPr id="6" name="TextBox 5">
+            <a:extLst>
+              <a:ext uri="{FF2B5EF4-FFF2-40B4-BE49-F238E27FC236}">
+                <a16:creationId xmlns:a16="http://schemas.microsoft.com/office/drawing/2014/main" id="{BCE9E33C-7BF0-4B2C-BD22-779362B21F61}"/>
+              </a:ext>
+            </a:extLst>
+          </p:cNvPr>
+          <p:cNvSpPr txBox="1"/>
+          <p:nvPr/>
+        </p:nvSpPr>
+        <p:spPr>
+          <a:xfrm>
+            <a:off x="471054" y="3635352"/>
+            <a:ext cx="3020291" cy="1200329"/>
+          </a:xfrm>
+          <a:prstGeom prst="rect">
+            <a:avLst/>
+          </a:prstGeom>
+          <a:noFill/>
+        </p:spPr>
+        <p:txBody>
+          <a:bodyPr wrap="square" rtlCol="0">
+            <a:spAutoFit/>
+          </a:bodyPr>
+          <a:lstStyle/>
+          <a:p>
+            <a:r>
+              <a:rPr lang="en-US" altLang="ko-KR"/>
+              <a:t>document_2</a:t>
+            </a:r>
+          </a:p>
+          <a:p>
+            <a:r>
+              <a:rPr lang="en-US" altLang="ko-KR"/>
+              <a:t>{</a:t>
+            </a:r>
+          </a:p>
+          <a:p>
+            <a:r>
+              <a:rPr lang="en-US" altLang="ko-KR"/>
+              <a:t>  “content”: “I</a:t>
+            </a:r>
+            <a:r>
+              <a:rPr lang="ko-KR" altLang="en-US"/>
+              <a:t> </a:t>
+            </a:r>
+            <a:r>
+              <a:rPr lang="en-US" altLang="ko-KR"/>
+              <a:t>love cat”</a:t>
+            </a:r>
+          </a:p>
+          <a:p>
+            <a:r>
+              <a:rPr lang="en-US" altLang="ko-KR"/>
+              <a:t>}</a:t>
+            </a:r>
+            <a:endParaRPr lang="ko-KR" altLang="en-US"/>
+          </a:p>
+        </p:txBody>
+      </p:sp>
+      <p:sp>
+        <p:nvSpPr>
+          <p:cNvPr id="9" name="사각형: 둥근 모서리 8">
+            <a:extLst>
+              <a:ext uri="{FF2B5EF4-FFF2-40B4-BE49-F238E27FC236}">
+                <a16:creationId xmlns:a16="http://schemas.microsoft.com/office/drawing/2014/main" id="{7E726B47-8EA5-4BA9-82E2-4661A7FECA25}"/>
+              </a:ext>
+            </a:extLst>
+          </p:cNvPr>
+          <p:cNvSpPr/>
+          <p:nvPr/>
+        </p:nvSpPr>
+        <p:spPr>
+          <a:xfrm>
+            <a:off x="3158837" y="2911764"/>
+            <a:ext cx="1417782" cy="1136464"/>
+          </a:xfrm>
+          <a:prstGeom prst="roundRect">
+            <a:avLst/>
+          </a:prstGeom>
+          <a:solidFill>
+            <a:schemeClr val="accent1">
+              <a:lumMod val="20000"/>
+              <a:lumOff val="80000"/>
+            </a:schemeClr>
+          </a:solidFill>
+        </p:spPr>
+        <p:style>
+          <a:lnRef idx="2">
+            <a:schemeClr val="accent1">
+              <a:shade val="50000"/>
+            </a:schemeClr>
+          </a:lnRef>
+          <a:fillRef idx="1">
+            <a:schemeClr val="accent1"/>
+          </a:fillRef>
+          <a:effectRef idx="0">
+            <a:schemeClr val="accent1"/>
+          </a:effectRef>
+          <a:fontRef idx="minor">
+            <a:schemeClr val="lt1"/>
+          </a:fontRef>
+        </p:style>
+        <p:txBody>
+          <a:bodyPr rtlCol="0" anchor="ctr"/>
+          <a:lstStyle/>
+          <a:p>
+            <a:pPr algn="ctr"/>
+            <a:r>
+              <a:rPr lang="en-US" altLang="ko-KR" b="1">
+                <a:solidFill>
+                  <a:schemeClr val="tx1"/>
+                </a:solidFill>
+              </a:rPr>
+              <a:t>Character</a:t>
+            </a:r>
+          </a:p>
+          <a:p>
+            <a:pPr algn="ctr"/>
+            <a:r>
+              <a:rPr lang="en-US" altLang="ko-KR" b="1">
+                <a:solidFill>
+                  <a:schemeClr val="tx1"/>
+                </a:solidFill>
+              </a:rPr>
+              <a:t>Filter</a:t>
+            </a:r>
+            <a:endParaRPr lang="ko-KR" altLang="en-US" b="1">
+              <a:solidFill>
+                <a:schemeClr val="tx1"/>
+              </a:solidFill>
+            </a:endParaRPr>
+          </a:p>
+        </p:txBody>
+      </p:sp>
+      <p:sp>
+        <p:nvSpPr>
+          <p:cNvPr id="10" name="사각형: 둥근 모서리 9">
+            <a:extLst>
+              <a:ext uri="{FF2B5EF4-FFF2-40B4-BE49-F238E27FC236}">
+                <a16:creationId xmlns:a16="http://schemas.microsoft.com/office/drawing/2014/main" id="{56B4CF39-BCF6-4571-961F-84D2E62CFB8C}"/>
+              </a:ext>
+            </a:extLst>
+          </p:cNvPr>
+          <p:cNvSpPr/>
+          <p:nvPr/>
+        </p:nvSpPr>
+        <p:spPr>
+          <a:xfrm>
+            <a:off x="4761346" y="2953132"/>
+            <a:ext cx="1417782" cy="1136464"/>
+          </a:xfrm>
+          <a:prstGeom prst="roundRect">
+            <a:avLst/>
+          </a:prstGeom>
+          <a:solidFill>
+            <a:schemeClr val="accent1">
+              <a:lumMod val="20000"/>
+              <a:lumOff val="80000"/>
+            </a:schemeClr>
+          </a:solidFill>
+        </p:spPr>
+        <p:style>
+          <a:lnRef idx="2">
+            <a:schemeClr val="accent1">
+              <a:shade val="50000"/>
+            </a:schemeClr>
+          </a:lnRef>
+          <a:fillRef idx="1">
+            <a:schemeClr val="accent1"/>
+          </a:fillRef>
+          <a:effectRef idx="0">
+            <a:schemeClr val="accent1"/>
+          </a:effectRef>
+          <a:fontRef idx="minor">
+            <a:schemeClr val="lt1"/>
+          </a:fontRef>
+        </p:style>
+        <p:txBody>
+          <a:bodyPr rtlCol="0" anchor="ctr"/>
+          <a:lstStyle/>
+          <a:p>
+            <a:pPr algn="ctr"/>
+            <a:r>
+              <a:rPr lang="en-US" altLang="ko-KR" b="1">
+                <a:solidFill>
+                  <a:schemeClr val="tx1"/>
+                </a:solidFill>
+              </a:rPr>
+              <a:t>Tokenizer</a:t>
+            </a:r>
+          </a:p>
+        </p:txBody>
+      </p:sp>
+      <p:sp>
+        <p:nvSpPr>
+          <p:cNvPr id="11" name="사각형: 둥근 모서리 10">
+            <a:extLst>
+              <a:ext uri="{FF2B5EF4-FFF2-40B4-BE49-F238E27FC236}">
+                <a16:creationId xmlns:a16="http://schemas.microsoft.com/office/drawing/2014/main" id="{53998577-EC4A-4EFB-A1C8-188FF0C68E64}"/>
+              </a:ext>
+            </a:extLst>
+          </p:cNvPr>
+          <p:cNvSpPr/>
+          <p:nvPr/>
+        </p:nvSpPr>
+        <p:spPr>
+          <a:xfrm>
+            <a:off x="6363855" y="2953132"/>
+            <a:ext cx="1417782" cy="1136464"/>
+          </a:xfrm>
+          <a:prstGeom prst="roundRect">
+            <a:avLst/>
+          </a:prstGeom>
+          <a:solidFill>
+            <a:schemeClr val="accent1">
+              <a:lumMod val="20000"/>
+              <a:lumOff val="80000"/>
+            </a:schemeClr>
+          </a:solidFill>
+        </p:spPr>
+        <p:style>
+          <a:lnRef idx="2">
+            <a:schemeClr val="accent1">
+              <a:shade val="50000"/>
+            </a:schemeClr>
+          </a:lnRef>
+          <a:fillRef idx="1">
+            <a:schemeClr val="accent1"/>
+          </a:fillRef>
+          <a:effectRef idx="0">
+            <a:schemeClr val="accent1"/>
+          </a:effectRef>
+          <a:fontRef idx="minor">
+            <a:schemeClr val="lt1"/>
+          </a:fontRef>
+        </p:style>
+        <p:txBody>
+          <a:bodyPr rtlCol="0" anchor="ctr"/>
+          <a:lstStyle/>
+          <a:p>
+            <a:pPr algn="ctr"/>
+            <a:r>
+              <a:rPr lang="en-US" altLang="ko-KR" b="1">
+                <a:solidFill>
+                  <a:schemeClr val="tx1"/>
+                </a:solidFill>
+              </a:rPr>
+              <a:t>Token</a:t>
+            </a:r>
+          </a:p>
+          <a:p>
+            <a:pPr algn="ctr"/>
+            <a:r>
+              <a:rPr lang="en-US" altLang="ko-KR" b="1">
+                <a:solidFill>
+                  <a:schemeClr val="tx1"/>
+                </a:solidFill>
+              </a:rPr>
+              <a:t>Filter</a:t>
+            </a:r>
+            <a:endParaRPr lang="ko-KR" altLang="en-US" b="1">
+              <a:solidFill>
+                <a:schemeClr val="tx1"/>
+              </a:solidFill>
+            </a:endParaRPr>
+          </a:p>
+        </p:txBody>
+      </p:sp>
+      <p:sp>
+        <p:nvSpPr>
+          <p:cNvPr id="7" name="화살표: 오른쪽 6">
+            <a:extLst>
+              <a:ext uri="{FF2B5EF4-FFF2-40B4-BE49-F238E27FC236}">
+                <a16:creationId xmlns:a16="http://schemas.microsoft.com/office/drawing/2014/main" id="{9DA2BA48-091D-4AA1-A1E7-25996D65C383}"/>
+              </a:ext>
+            </a:extLst>
+          </p:cNvPr>
+          <p:cNvSpPr/>
+          <p:nvPr/>
+        </p:nvSpPr>
+        <p:spPr>
+          <a:xfrm>
+            <a:off x="3158836" y="2595204"/>
+            <a:ext cx="4941455" cy="609600"/>
+          </a:xfrm>
+          <a:prstGeom prst="rightArrow">
+            <a:avLst/>
+          </a:prstGeom>
+        </p:spPr>
+        <p:style>
+          <a:lnRef idx="2">
+            <a:schemeClr val="accent1">
+              <a:shade val="50000"/>
+            </a:schemeClr>
+          </a:lnRef>
+          <a:fillRef idx="1">
+            <a:schemeClr val="accent1"/>
+          </a:fillRef>
+          <a:effectRef idx="0">
+            <a:schemeClr val="accent1"/>
+          </a:effectRef>
+          <a:fontRef idx="minor">
+            <a:schemeClr val="lt1"/>
+          </a:fontRef>
+        </p:style>
+        <p:txBody>
+          <a:bodyPr rtlCol="0" anchor="ctr"/>
+          <a:lstStyle/>
+          <a:p>
+            <a:pPr algn="ctr"/>
+            <a:r>
+              <a:rPr lang="en-US" altLang="ko-KR"/>
+              <a:t>reverse indexing</a:t>
+            </a:r>
+            <a:endParaRPr lang="ko-KR" altLang="en-US"/>
+          </a:p>
+        </p:txBody>
+      </p:sp>
+      <p:sp>
+        <p:nvSpPr>
+          <p:cNvPr id="13" name="TextBox 12">
+            <a:extLst>
+              <a:ext uri="{FF2B5EF4-FFF2-40B4-BE49-F238E27FC236}">
+                <a16:creationId xmlns:a16="http://schemas.microsoft.com/office/drawing/2014/main" id="{A8493C29-9414-4C1A-92EB-BEC789B2E8D4}"/>
+              </a:ext>
+            </a:extLst>
+          </p:cNvPr>
+          <p:cNvSpPr txBox="1"/>
+          <p:nvPr/>
+        </p:nvSpPr>
+        <p:spPr>
+          <a:xfrm>
+            <a:off x="4879110" y="1967299"/>
+            <a:ext cx="2096654" cy="369332"/>
+          </a:xfrm>
+          <a:prstGeom prst="rect">
+            <a:avLst/>
+          </a:prstGeom>
+          <a:noFill/>
+        </p:spPr>
+        <p:txBody>
+          <a:bodyPr wrap="square" rtlCol="0">
+            <a:spAutoFit/>
+          </a:bodyPr>
+          <a:lstStyle/>
+          <a:p>
+            <a:r>
+              <a:rPr lang="en-US" altLang="ko-KR" b="1"/>
+              <a:t>Analyzer</a:t>
+            </a:r>
+            <a:endParaRPr lang="ko-KR" altLang="en-US" b="1"/>
           </a:p>
         </p:txBody>
       </p:sp>
@@ -3375,6 +4107,528 @@
     <p:extLst>
       <p:ext uri="{BB962C8B-B14F-4D97-AF65-F5344CB8AC3E}">
         <p14:creationId xmlns:p14="http://schemas.microsoft.com/office/powerpoint/2010/main" val="4013407722"/>
+      </p:ext>
+    </p:extLst>
+  </p:cSld>
+  <p:clrMapOvr>
+    <a:masterClrMapping/>
+  </p:clrMapOvr>
+</p:sld>
+</file>
+
+<file path=ppt/slides/slide2.xml><?xml version="1.0" encoding="utf-8"?>
+<p:sld xmlns:a="http://schemas.openxmlformats.org/drawingml/2006/main" xmlns:r="http://schemas.openxmlformats.org/officeDocument/2006/relationships" xmlns:p="http://schemas.openxmlformats.org/presentationml/2006/main">
+  <p:cSld>
+    <p:spTree>
+      <p:nvGrpSpPr>
+        <p:cNvPr id="1" name=""/>
+        <p:cNvGrpSpPr/>
+        <p:nvPr/>
+      </p:nvGrpSpPr>
+      <p:grpSpPr>
+        <a:xfrm>
+          <a:off x="0" y="0"/>
+          <a:ext cx="0" cy="0"/>
+          <a:chOff x="0" y="0"/>
+          <a:chExt cx="0" cy="0"/>
+        </a:xfrm>
+      </p:grpSpPr>
+      <p:grpSp>
+        <p:nvGrpSpPr>
+          <p:cNvPr id="16" name="그룹 15">
+            <a:extLst>
+              <a:ext uri="{FF2B5EF4-FFF2-40B4-BE49-F238E27FC236}">
+                <a16:creationId xmlns:a16="http://schemas.microsoft.com/office/drawing/2014/main" id="{E9F5A017-B608-4D16-8CF0-0D0F4A6C01A5}"/>
+              </a:ext>
+            </a:extLst>
+          </p:cNvPr>
+          <p:cNvGrpSpPr/>
+          <p:nvPr/>
+        </p:nvGrpSpPr>
+        <p:grpSpPr>
+          <a:xfrm>
+            <a:off x="917752" y="2212783"/>
+            <a:ext cx="9728239" cy="1009720"/>
+            <a:chOff x="917752" y="2212783"/>
+            <a:chExt cx="9728239" cy="1009720"/>
+          </a:xfrm>
+        </p:grpSpPr>
+        <p:pic>
+          <p:nvPicPr>
+            <p:cNvPr id="5" name="그림 4">
+              <a:extLst>
+                <a:ext uri="{FF2B5EF4-FFF2-40B4-BE49-F238E27FC236}">
+                  <a16:creationId xmlns:a16="http://schemas.microsoft.com/office/drawing/2014/main" id="{4793E2D0-5D66-4213-AAA5-69120160BD53}"/>
+                </a:ext>
+              </a:extLst>
+            </p:cNvPr>
+            <p:cNvPicPr>
+              <a:picLocks noChangeAspect="1"/>
+            </p:cNvPicPr>
+            <p:nvPr/>
+          </p:nvPicPr>
+          <p:blipFill>
+            <a:blip r:embed="rId2">
+              <a:extLst>
+                <a:ext uri="{28A0092B-C50C-407E-A947-70E740481C1C}">
+                  <a14:useLocalDpi xmlns:a14="http://schemas.microsoft.com/office/drawing/2010/main" val="0"/>
+                </a:ext>
+              </a:extLst>
+            </a:blip>
+            <a:stretch>
+              <a:fillRect/>
+            </a:stretch>
+          </p:blipFill>
+          <p:spPr>
+            <a:xfrm>
+              <a:off x="917752" y="2239438"/>
+              <a:ext cx="2019959" cy="915882"/>
+            </a:xfrm>
+            <a:prstGeom prst="rect">
+              <a:avLst/>
+            </a:prstGeom>
+          </p:spPr>
+        </p:pic>
+        <p:grpSp>
+          <p:nvGrpSpPr>
+            <p:cNvPr id="15" name="그룹 14">
+              <a:extLst>
+                <a:ext uri="{FF2B5EF4-FFF2-40B4-BE49-F238E27FC236}">
+                  <a16:creationId xmlns:a16="http://schemas.microsoft.com/office/drawing/2014/main" id="{6FB85AC0-CB9D-47F6-AC89-85FB699C4727}"/>
+                </a:ext>
+              </a:extLst>
+            </p:cNvPr>
+            <p:cNvGrpSpPr/>
+            <p:nvPr/>
+          </p:nvGrpSpPr>
+          <p:grpSpPr>
+            <a:xfrm>
+              <a:off x="2947399" y="2212783"/>
+              <a:ext cx="7698592" cy="1009720"/>
+              <a:chOff x="2947399" y="2212783"/>
+              <a:chExt cx="7698592" cy="1009720"/>
+            </a:xfrm>
+          </p:grpSpPr>
+          <p:pic>
+            <p:nvPicPr>
+              <p:cNvPr id="7" name="그림 6" descr="텍스트이(가) 표시된 사진&#10;&#10;자동 생성된 설명">
+                <a:extLst>
+                  <a:ext uri="{FF2B5EF4-FFF2-40B4-BE49-F238E27FC236}">
+                    <a16:creationId xmlns:a16="http://schemas.microsoft.com/office/drawing/2014/main" id="{B40DCFA3-7522-4533-9C54-58973E3D7BC8}"/>
+                  </a:ext>
+                </a:extLst>
+              </p:cNvPr>
+              <p:cNvPicPr>
+                <a:picLocks noChangeAspect="1"/>
+              </p:cNvPicPr>
+              <p:nvPr/>
+            </p:nvPicPr>
+            <p:blipFill>
+              <a:blip r:embed="rId3">
+                <a:extLst>
+                  <a:ext uri="{28A0092B-C50C-407E-A947-70E740481C1C}">
+                    <a14:useLocalDpi xmlns:a14="http://schemas.microsoft.com/office/drawing/2010/main" val="0"/>
+                  </a:ext>
+                </a:extLst>
+              </a:blip>
+              <a:stretch>
+                <a:fillRect/>
+              </a:stretch>
+            </p:blipFill>
+            <p:spPr>
+              <a:xfrm>
+                <a:off x="6687140" y="2239438"/>
+                <a:ext cx="1806097" cy="983065"/>
+              </a:xfrm>
+              <a:prstGeom prst="rect">
+                <a:avLst/>
+              </a:prstGeom>
+            </p:spPr>
+          </p:pic>
+          <p:pic>
+            <p:nvPicPr>
+              <p:cNvPr id="9" name="그림 8">
+                <a:extLst>
+                  <a:ext uri="{FF2B5EF4-FFF2-40B4-BE49-F238E27FC236}">
+                    <a16:creationId xmlns:a16="http://schemas.microsoft.com/office/drawing/2014/main" id="{074908AA-E5AA-441C-A132-3179EDD2202E}"/>
+                  </a:ext>
+                </a:extLst>
+              </p:cNvPr>
+              <p:cNvPicPr>
+                <a:picLocks noChangeAspect="1"/>
+              </p:cNvPicPr>
+              <p:nvPr/>
+            </p:nvPicPr>
+            <p:blipFill>
+              <a:blip r:embed="rId4">
+                <a:extLst>
+                  <a:ext uri="{28A0092B-C50C-407E-A947-70E740481C1C}">
+                    <a14:useLocalDpi xmlns:a14="http://schemas.microsoft.com/office/drawing/2010/main" val="0"/>
+                  </a:ext>
+                </a:extLst>
+              </a:blip>
+              <a:stretch>
+                <a:fillRect/>
+              </a:stretch>
+            </p:blipFill>
+            <p:spPr>
+              <a:xfrm>
+                <a:off x="9533375" y="2212783"/>
+                <a:ext cx="1112616" cy="1005927"/>
+              </a:xfrm>
+              <a:prstGeom prst="rect">
+                <a:avLst/>
+              </a:prstGeom>
+            </p:spPr>
+          </p:pic>
+          <p:pic>
+            <p:nvPicPr>
+              <p:cNvPr id="11" name="그림 10">
+                <a:extLst>
+                  <a:ext uri="{FF2B5EF4-FFF2-40B4-BE49-F238E27FC236}">
+                    <a16:creationId xmlns:a16="http://schemas.microsoft.com/office/drawing/2014/main" id="{C958DF90-2B43-43B9-A8F5-8D819D49CC91}"/>
+                  </a:ext>
+                </a:extLst>
+              </p:cNvPr>
+              <p:cNvPicPr>
+                <a:picLocks noChangeAspect="1"/>
+              </p:cNvPicPr>
+              <p:nvPr/>
+            </p:nvPicPr>
+            <p:blipFill>
+              <a:blip r:embed="rId5">
+                <a:extLst>
+                  <a:ext uri="{28A0092B-C50C-407E-A947-70E740481C1C}">
+                    <a14:useLocalDpi xmlns:a14="http://schemas.microsoft.com/office/drawing/2010/main" val="0"/>
+                  </a:ext>
+                </a:extLst>
+              </a:blip>
+              <a:stretch>
+                <a:fillRect/>
+              </a:stretch>
+            </p:blipFill>
+            <p:spPr>
+              <a:xfrm>
+                <a:off x="3703686" y="2239438"/>
+                <a:ext cx="2080260" cy="915882"/>
+              </a:xfrm>
+              <a:prstGeom prst="rect">
+                <a:avLst/>
+              </a:prstGeom>
+            </p:spPr>
+          </p:pic>
+          <p:sp>
+            <p:nvSpPr>
+              <p:cNvPr id="12" name="화살표: 오른쪽 11">
+                <a:extLst>
+                  <a:ext uri="{FF2B5EF4-FFF2-40B4-BE49-F238E27FC236}">
+                    <a16:creationId xmlns:a16="http://schemas.microsoft.com/office/drawing/2014/main" id="{E1ED631E-52BC-4D00-ADE7-D6963350CC95}"/>
+                  </a:ext>
+                </a:extLst>
+              </p:cNvPr>
+              <p:cNvSpPr/>
+              <p:nvPr/>
+            </p:nvSpPr>
+            <p:spPr>
+              <a:xfrm>
+                <a:off x="2947399" y="2583188"/>
+                <a:ext cx="498216" cy="295564"/>
+              </a:xfrm>
+              <a:prstGeom prst="rightArrow">
+                <a:avLst/>
+              </a:prstGeom>
+            </p:spPr>
+            <p:style>
+              <a:lnRef idx="2">
+                <a:schemeClr val="accent1">
+                  <a:shade val="50000"/>
+                </a:schemeClr>
+              </a:lnRef>
+              <a:fillRef idx="1">
+                <a:schemeClr val="accent1"/>
+              </a:fillRef>
+              <a:effectRef idx="0">
+                <a:schemeClr val="accent1"/>
+              </a:effectRef>
+              <a:fontRef idx="minor">
+                <a:schemeClr val="lt1"/>
+              </a:fontRef>
+            </p:style>
+            <p:txBody>
+              <a:bodyPr rtlCol="0" anchor="ctr"/>
+              <a:lstStyle/>
+              <a:p>
+                <a:pPr algn="ctr"/>
+                <a:endParaRPr lang="ko-KR" altLang="en-US"/>
+              </a:p>
+            </p:txBody>
+          </p:sp>
+          <p:sp>
+            <p:nvSpPr>
+              <p:cNvPr id="13" name="화살표: 오른쪽 12">
+                <a:extLst>
+                  <a:ext uri="{FF2B5EF4-FFF2-40B4-BE49-F238E27FC236}">
+                    <a16:creationId xmlns:a16="http://schemas.microsoft.com/office/drawing/2014/main" id="{1FB90AAD-5FCC-4F9C-8BF4-784C2D20C548}"/>
+                  </a:ext>
+                </a:extLst>
+              </p:cNvPr>
+              <p:cNvSpPr/>
+              <p:nvPr/>
+            </p:nvSpPr>
+            <p:spPr>
+              <a:xfrm>
+                <a:off x="5913436" y="2570958"/>
+                <a:ext cx="498216" cy="295564"/>
+              </a:xfrm>
+              <a:prstGeom prst="rightArrow">
+                <a:avLst/>
+              </a:prstGeom>
+            </p:spPr>
+            <p:style>
+              <a:lnRef idx="2">
+                <a:schemeClr val="accent1">
+                  <a:shade val="50000"/>
+                </a:schemeClr>
+              </a:lnRef>
+              <a:fillRef idx="1">
+                <a:schemeClr val="accent1"/>
+              </a:fillRef>
+              <a:effectRef idx="0">
+                <a:schemeClr val="accent1"/>
+              </a:effectRef>
+              <a:fontRef idx="minor">
+                <a:schemeClr val="lt1"/>
+              </a:fontRef>
+            </p:style>
+            <p:txBody>
+              <a:bodyPr rtlCol="0" anchor="ctr"/>
+              <a:lstStyle/>
+              <a:p>
+                <a:pPr algn="ctr"/>
+                <a:endParaRPr lang="ko-KR" altLang="en-US"/>
+              </a:p>
+            </p:txBody>
+          </p:sp>
+          <p:sp>
+            <p:nvSpPr>
+              <p:cNvPr id="14" name="화살표: 오른쪽 13">
+                <a:extLst>
+                  <a:ext uri="{FF2B5EF4-FFF2-40B4-BE49-F238E27FC236}">
+                    <a16:creationId xmlns:a16="http://schemas.microsoft.com/office/drawing/2014/main" id="{A7C6F741-58CF-469A-A228-8206B44D32A7}"/>
+                  </a:ext>
+                </a:extLst>
+              </p:cNvPr>
+              <p:cNvSpPr/>
+              <p:nvPr/>
+            </p:nvSpPr>
+            <p:spPr>
+              <a:xfrm>
+                <a:off x="8746385" y="2567965"/>
+                <a:ext cx="498216" cy="295564"/>
+              </a:xfrm>
+              <a:prstGeom prst="rightArrow">
+                <a:avLst/>
+              </a:prstGeom>
+            </p:spPr>
+            <p:style>
+              <a:lnRef idx="2">
+                <a:schemeClr val="accent1">
+                  <a:shade val="50000"/>
+                </a:schemeClr>
+              </a:lnRef>
+              <a:fillRef idx="1">
+                <a:schemeClr val="accent1"/>
+              </a:fillRef>
+              <a:effectRef idx="0">
+                <a:schemeClr val="accent1"/>
+              </a:effectRef>
+              <a:fontRef idx="minor">
+                <a:schemeClr val="lt1"/>
+              </a:fontRef>
+            </p:style>
+            <p:txBody>
+              <a:bodyPr rtlCol="0" anchor="ctr"/>
+              <a:lstStyle/>
+              <a:p>
+                <a:pPr algn="ctr"/>
+                <a:endParaRPr lang="ko-KR" altLang="en-US"/>
+              </a:p>
+            </p:txBody>
+          </p:sp>
+        </p:grpSp>
+      </p:grpSp>
+      <p:sp>
+        <p:nvSpPr>
+          <p:cNvPr id="17" name="TextBox 16">
+            <a:extLst>
+              <a:ext uri="{FF2B5EF4-FFF2-40B4-BE49-F238E27FC236}">
+                <a16:creationId xmlns:a16="http://schemas.microsoft.com/office/drawing/2014/main" id="{085D53A7-C3AD-4229-965A-8BA148CCF22F}"/>
+              </a:ext>
+            </a:extLst>
+          </p:cNvPr>
+          <p:cNvSpPr txBox="1"/>
+          <p:nvPr/>
+        </p:nvSpPr>
+        <p:spPr>
+          <a:xfrm>
+            <a:off x="1200727" y="3218710"/>
+            <a:ext cx="1209964" cy="646331"/>
+          </a:xfrm>
+          <a:prstGeom prst="rect">
+            <a:avLst/>
+          </a:prstGeom>
+          <a:noFill/>
+        </p:spPr>
+        <p:txBody>
+          <a:bodyPr wrap="square" rtlCol="0">
+            <a:spAutoFit/>
+          </a:bodyPr>
+          <a:lstStyle/>
+          <a:p>
+            <a:r>
+              <a:rPr lang="ko-KR" altLang="en-US"/>
+              <a:t>데이터</a:t>
+            </a:r>
+            <a:endParaRPr lang="en-US" altLang="ko-KR"/>
+          </a:p>
+          <a:p>
+            <a:r>
+              <a:rPr lang="ko-KR" altLang="en-US"/>
+              <a:t>수집</a:t>
+            </a:r>
+          </a:p>
+        </p:txBody>
+      </p:sp>
+      <p:sp>
+        <p:nvSpPr>
+          <p:cNvPr id="18" name="TextBox 17">
+            <a:extLst>
+              <a:ext uri="{FF2B5EF4-FFF2-40B4-BE49-F238E27FC236}">
+                <a16:creationId xmlns:a16="http://schemas.microsoft.com/office/drawing/2014/main" id="{A953091C-B6B9-4EB8-A94D-7DB9BB223C19}"/>
+              </a:ext>
+            </a:extLst>
+          </p:cNvPr>
+          <p:cNvSpPr txBox="1"/>
+          <p:nvPr/>
+        </p:nvSpPr>
+        <p:spPr>
+          <a:xfrm>
+            <a:off x="4378036" y="3218710"/>
+            <a:ext cx="969819" cy="646331"/>
+          </a:xfrm>
+          <a:prstGeom prst="rect">
+            <a:avLst/>
+          </a:prstGeom>
+          <a:noFill/>
+        </p:spPr>
+        <p:txBody>
+          <a:bodyPr wrap="square" rtlCol="0">
+            <a:spAutoFit/>
+          </a:bodyPr>
+          <a:lstStyle/>
+          <a:p>
+            <a:r>
+              <a:rPr lang="ko-KR" altLang="en-US"/>
+              <a:t>데이터</a:t>
+            </a:r>
+            <a:endParaRPr lang="en-US" altLang="ko-KR"/>
+          </a:p>
+          <a:p>
+            <a:r>
+              <a:rPr lang="ko-KR" altLang="en-US"/>
+              <a:t>가공</a:t>
+            </a:r>
+          </a:p>
+        </p:txBody>
+      </p:sp>
+      <p:sp>
+        <p:nvSpPr>
+          <p:cNvPr id="19" name="TextBox 18">
+            <a:extLst>
+              <a:ext uri="{FF2B5EF4-FFF2-40B4-BE49-F238E27FC236}">
+                <a16:creationId xmlns:a16="http://schemas.microsoft.com/office/drawing/2014/main" id="{17D036CB-7A60-4B0E-A4B3-1A0465D8BDF8}"/>
+              </a:ext>
+            </a:extLst>
+          </p:cNvPr>
+          <p:cNvSpPr txBox="1"/>
+          <p:nvPr/>
+        </p:nvSpPr>
+        <p:spPr>
+          <a:xfrm>
+            <a:off x="7019637" y="3218710"/>
+            <a:ext cx="969819" cy="646331"/>
+          </a:xfrm>
+          <a:prstGeom prst="rect">
+            <a:avLst/>
+          </a:prstGeom>
+          <a:noFill/>
+        </p:spPr>
+        <p:txBody>
+          <a:bodyPr wrap="square" rtlCol="0">
+            <a:spAutoFit/>
+          </a:bodyPr>
+          <a:lstStyle/>
+          <a:p>
+            <a:r>
+              <a:rPr lang="ko-KR" altLang="en-US"/>
+              <a:t>데이터</a:t>
+            </a:r>
+            <a:endParaRPr lang="en-US" altLang="ko-KR"/>
+          </a:p>
+          <a:p>
+            <a:r>
+              <a:rPr lang="ko-KR" altLang="en-US"/>
+              <a:t>저장</a:t>
+            </a:r>
+          </a:p>
+        </p:txBody>
+      </p:sp>
+      <p:sp>
+        <p:nvSpPr>
+          <p:cNvPr id="20" name="TextBox 19">
+            <a:extLst>
+              <a:ext uri="{FF2B5EF4-FFF2-40B4-BE49-F238E27FC236}">
+                <a16:creationId xmlns:a16="http://schemas.microsoft.com/office/drawing/2014/main" id="{7E316FDA-5314-4903-B906-9066E2AAFD2A}"/>
+              </a:ext>
+            </a:extLst>
+          </p:cNvPr>
+          <p:cNvSpPr txBox="1"/>
+          <p:nvPr/>
+        </p:nvSpPr>
+        <p:spPr>
+          <a:xfrm>
+            <a:off x="9533375" y="3218709"/>
+            <a:ext cx="1209964" cy="646331"/>
+          </a:xfrm>
+          <a:prstGeom prst="rect">
+            <a:avLst/>
+          </a:prstGeom>
+          <a:noFill/>
+        </p:spPr>
+        <p:txBody>
+          <a:bodyPr wrap="square" rtlCol="0">
+            <a:spAutoFit/>
+          </a:bodyPr>
+          <a:lstStyle/>
+          <a:p>
+            <a:r>
+              <a:rPr lang="ko-KR" altLang="en-US"/>
+              <a:t>데이터</a:t>
+            </a:r>
+            <a:endParaRPr lang="en-US" altLang="ko-KR"/>
+          </a:p>
+          <a:p>
+            <a:r>
+              <a:rPr lang="ko-KR" altLang="en-US"/>
+              <a:t>시각화</a:t>
+            </a:r>
+          </a:p>
+        </p:txBody>
+      </p:sp>
+    </p:spTree>
+    <p:extLst>
+      <p:ext uri="{BB962C8B-B14F-4D97-AF65-F5344CB8AC3E}">
+        <p14:creationId xmlns:p14="http://schemas.microsoft.com/office/powerpoint/2010/main" val="1707979539"/>
       </p:ext>
     </p:extLst>
   </p:cSld>
